--- a/TPs/Reserve/TP_01_Geometrie/Figures.pptx
+++ b/TPs/Reserve/TP_01_Geometrie/Figures.pptx
@@ -271,7 +271,7 @@
           <a:p>
             <a:fld id="{E89B7495-721A-440C-B815-4617627ED71C}" type="datetimeFigureOut">
               <a:rPr lang="fr-FR" smtClean="0"/>
-              <a:t>19/11/2020</a:t>
+              <a:t>17/10/2023</a:t>
             </a:fld>
             <a:endParaRPr lang="fr-FR"/>
           </a:p>
@@ -469,7 +469,7 @@
           <a:p>
             <a:fld id="{E89B7495-721A-440C-B815-4617627ED71C}" type="datetimeFigureOut">
               <a:rPr lang="fr-FR" smtClean="0"/>
-              <a:t>19/11/2020</a:t>
+              <a:t>17/10/2023</a:t>
             </a:fld>
             <a:endParaRPr lang="fr-FR"/>
           </a:p>
@@ -677,7 +677,7 @@
           <a:p>
             <a:fld id="{E89B7495-721A-440C-B815-4617627ED71C}" type="datetimeFigureOut">
               <a:rPr lang="fr-FR" smtClean="0"/>
-              <a:t>19/11/2020</a:t>
+              <a:t>17/10/2023</a:t>
             </a:fld>
             <a:endParaRPr lang="fr-FR"/>
           </a:p>
@@ -875,7 +875,7 @@
           <a:p>
             <a:fld id="{E89B7495-721A-440C-B815-4617627ED71C}" type="datetimeFigureOut">
               <a:rPr lang="fr-FR" smtClean="0"/>
-              <a:t>19/11/2020</a:t>
+              <a:t>17/10/2023</a:t>
             </a:fld>
             <a:endParaRPr lang="fr-FR"/>
           </a:p>
@@ -1150,7 +1150,7 @@
           <a:p>
             <a:fld id="{E89B7495-721A-440C-B815-4617627ED71C}" type="datetimeFigureOut">
               <a:rPr lang="fr-FR" smtClean="0"/>
-              <a:t>19/11/2020</a:t>
+              <a:t>17/10/2023</a:t>
             </a:fld>
             <a:endParaRPr lang="fr-FR"/>
           </a:p>
@@ -1415,7 +1415,7 @@
           <a:p>
             <a:fld id="{E89B7495-721A-440C-B815-4617627ED71C}" type="datetimeFigureOut">
               <a:rPr lang="fr-FR" smtClean="0"/>
-              <a:t>19/11/2020</a:t>
+              <a:t>17/10/2023</a:t>
             </a:fld>
             <a:endParaRPr lang="fr-FR"/>
           </a:p>
@@ -1827,7 +1827,7 @@
           <a:p>
             <a:fld id="{E89B7495-721A-440C-B815-4617627ED71C}" type="datetimeFigureOut">
               <a:rPr lang="fr-FR" smtClean="0"/>
-              <a:t>19/11/2020</a:t>
+              <a:t>17/10/2023</a:t>
             </a:fld>
             <a:endParaRPr lang="fr-FR"/>
           </a:p>
@@ -1968,7 +1968,7 @@
           <a:p>
             <a:fld id="{E89B7495-721A-440C-B815-4617627ED71C}" type="datetimeFigureOut">
               <a:rPr lang="fr-FR" smtClean="0"/>
-              <a:t>19/11/2020</a:t>
+              <a:t>17/10/2023</a:t>
             </a:fld>
             <a:endParaRPr lang="fr-FR"/>
           </a:p>
@@ -2081,7 +2081,7 @@
           <a:p>
             <a:fld id="{E89B7495-721A-440C-B815-4617627ED71C}" type="datetimeFigureOut">
               <a:rPr lang="fr-FR" smtClean="0"/>
-              <a:t>19/11/2020</a:t>
+              <a:t>17/10/2023</a:t>
             </a:fld>
             <a:endParaRPr lang="fr-FR"/>
           </a:p>
@@ -2392,7 +2392,7 @@
           <a:p>
             <a:fld id="{E89B7495-721A-440C-B815-4617627ED71C}" type="datetimeFigureOut">
               <a:rPr lang="fr-FR" smtClean="0"/>
-              <a:t>19/11/2020</a:t>
+              <a:t>17/10/2023</a:t>
             </a:fld>
             <a:endParaRPr lang="fr-FR"/>
           </a:p>
@@ -2680,7 +2680,7 @@
           <a:p>
             <a:fld id="{E89B7495-721A-440C-B815-4617627ED71C}" type="datetimeFigureOut">
               <a:rPr lang="fr-FR" smtClean="0"/>
-              <a:t>19/11/2020</a:t>
+              <a:t>17/10/2023</a:t>
             </a:fld>
             <a:endParaRPr lang="fr-FR"/>
           </a:p>
@@ -2921,7 +2921,7 @@
           <a:p>
             <a:fld id="{E89B7495-721A-440C-B815-4617627ED71C}" type="datetimeFigureOut">
               <a:rPr lang="fr-FR" smtClean="0"/>
-              <a:t>19/11/2020</a:t>
+              <a:t>17/10/2023</a:t>
             </a:fld>
             <a:endParaRPr lang="fr-FR"/>
           </a:p>
@@ -3361,7 +3361,7 @@
         <p:spPr>
           <a:xfrm>
             <a:off x="2941983" y="-1831"/>
-            <a:ext cx="3154017" cy="3430832"/>
+            <a:ext cx="5189646" cy="5645120"/>
           </a:xfrm>
           <a:prstGeom prst="rect">
             <a:avLst/>
